--- a/lecture/Lecture 7 Sept 13/7 Visualization.pptx
+++ b/lecture/Lecture 7 Sept 13/7 Visualization.pptx
@@ -5,11 +5,26 @@
     <p:sldMasterId id="2147483648" r:id="rId1"/>
   </p:sldMasterIdLst>
   <p:notesMasterIdLst>
-    <p:notesMasterId r:id="rId4"/>
+    <p:notesMasterId r:id="rId19"/>
   </p:notesMasterIdLst>
   <p:sldIdLst>
     <p:sldId id="256" r:id="rId2"/>
     <p:sldId id="323" r:id="rId3"/>
+    <p:sldId id="330" r:id="rId4"/>
+    <p:sldId id="335" r:id="rId5"/>
+    <p:sldId id="328" r:id="rId6"/>
+    <p:sldId id="325" r:id="rId7"/>
+    <p:sldId id="326" r:id="rId8"/>
+    <p:sldId id="324" r:id="rId9"/>
+    <p:sldId id="327" r:id="rId10"/>
+    <p:sldId id="329" r:id="rId11"/>
+    <p:sldId id="331" r:id="rId12"/>
+    <p:sldId id="336" r:id="rId13"/>
+    <p:sldId id="337" r:id="rId14"/>
+    <p:sldId id="338" r:id="rId15"/>
+    <p:sldId id="332" r:id="rId16"/>
+    <p:sldId id="333" r:id="rId17"/>
+    <p:sldId id="334" r:id="rId18"/>
   </p:sldIdLst>
   <p:sldSz cx="12192000" cy="6858000"/>
   <p:notesSz cx="6858000" cy="9144000"/>
@@ -198,7 +213,7 @@
           <a:p>
             <a:fld id="{4386939B-C2BD-984A-B580-7D8280183BCE}" type="datetimeFigureOut">
               <a:rPr lang="en-US" smtClean="0"/>
-              <a:t>9/10/18</a:t>
+              <a:t>9/11/18</a:t>
             </a:fld>
             <a:endParaRPr lang="en-US"/>
           </a:p>
@@ -612,7 +627,7 @@
           <a:p>
             <a:fld id="{B1D46398-99B6-BE42-92B0-8434C3A0DC98}" type="datetime1">
               <a:rPr lang="en-US" smtClean="0"/>
-              <a:t>9/10/18</a:t>
+              <a:t>9/11/18</a:t>
             </a:fld>
             <a:endParaRPr lang="en-US"/>
           </a:p>
@@ -810,7 +825,7 @@
           <a:p>
             <a:fld id="{02A1511E-69ED-9742-A812-5C0E04F470DF}" type="datetime1">
               <a:rPr lang="en-US" smtClean="0"/>
-              <a:t>9/10/18</a:t>
+              <a:t>9/11/18</a:t>
             </a:fld>
             <a:endParaRPr lang="en-US"/>
           </a:p>
@@ -1018,7 +1033,7 @@
           <a:p>
             <a:fld id="{F2583637-3B42-8046-9D0F-2D5B9451C63F}" type="datetime1">
               <a:rPr lang="en-US" smtClean="0"/>
-              <a:t>9/10/18</a:t>
+              <a:t>9/11/18</a:t>
             </a:fld>
             <a:endParaRPr lang="en-US"/>
           </a:p>
@@ -1216,7 +1231,7 @@
           <a:p>
             <a:fld id="{57508C07-C2DD-9C49-9D7F-A816FEA7B671}" type="datetime1">
               <a:rPr lang="en-US" smtClean="0"/>
-              <a:t>9/10/18</a:t>
+              <a:t>9/11/18</a:t>
             </a:fld>
             <a:endParaRPr lang="en-US"/>
           </a:p>
@@ -1491,7 +1506,7 @@
           <a:p>
             <a:fld id="{EC66AB0E-E8A8-3547-ABD4-B17C799B8E70}" type="datetime1">
               <a:rPr lang="en-US" smtClean="0"/>
-              <a:t>9/10/18</a:t>
+              <a:t>9/11/18</a:t>
             </a:fld>
             <a:endParaRPr lang="en-US"/>
           </a:p>
@@ -1756,7 +1771,7 @@
           <a:p>
             <a:fld id="{26FF6B1D-80C0-144D-9085-BB87E8FDC143}" type="datetime1">
               <a:rPr lang="en-US" smtClean="0"/>
-              <a:t>9/10/18</a:t>
+              <a:t>9/11/18</a:t>
             </a:fld>
             <a:endParaRPr lang="en-US"/>
           </a:p>
@@ -2168,7 +2183,7 @@
           <a:p>
             <a:fld id="{033DB963-62DE-E64B-A3E5-233717E090EA}" type="datetime1">
               <a:rPr lang="en-US" smtClean="0"/>
-              <a:t>9/10/18</a:t>
+              <a:t>9/11/18</a:t>
             </a:fld>
             <a:endParaRPr lang="en-US"/>
           </a:p>
@@ -2309,7 +2324,7 @@
           <a:p>
             <a:fld id="{6541AAF3-E701-A14B-AA10-126881CDB6B7}" type="datetime1">
               <a:rPr lang="en-US" smtClean="0"/>
-              <a:t>9/10/18</a:t>
+              <a:t>9/11/18</a:t>
             </a:fld>
             <a:endParaRPr lang="en-US"/>
           </a:p>
@@ -2422,7 +2437,7 @@
           <a:p>
             <a:fld id="{33AEA85F-1A0D-FB40-89B6-B711812C6CD4}" type="datetime1">
               <a:rPr lang="en-US" smtClean="0"/>
-              <a:t>9/10/18</a:t>
+              <a:t>9/11/18</a:t>
             </a:fld>
             <a:endParaRPr lang="en-US"/>
           </a:p>
@@ -2733,7 +2748,7 @@
           <a:p>
             <a:fld id="{6376105D-4ACF-D247-8A95-FB2BF3437DDC}" type="datetime1">
               <a:rPr lang="en-US" smtClean="0"/>
-              <a:t>9/10/18</a:t>
+              <a:t>9/11/18</a:t>
             </a:fld>
             <a:endParaRPr lang="en-US"/>
           </a:p>
@@ -3021,7 +3036,7 @@
           <a:p>
             <a:fld id="{F547101D-1226-3042-B730-6BFCF1732284}" type="datetime1">
               <a:rPr lang="en-US" smtClean="0"/>
-              <a:t>9/10/18</a:t>
+              <a:t>9/11/18</a:t>
             </a:fld>
             <a:endParaRPr lang="en-US"/>
           </a:p>
@@ -3262,7 +3277,7 @@
           <a:p>
             <a:fld id="{49865757-C995-F54B-BB8E-1A8FC8F96F6E}" type="datetime1">
               <a:rPr lang="en-US" smtClean="0"/>
-              <a:t>9/10/18</a:t>
+              <a:t>9/11/18</a:t>
             </a:fld>
             <a:endParaRPr lang="en-US"/>
           </a:p>
@@ -3840,6 +3855,980 @@
 </p:sld>
 </file>
 
+<file path=ppt/slides/slide10.xml><?xml version="1.0" encoding="utf-8"?>
+<p:sld xmlns:a="http://schemas.openxmlformats.org/drawingml/2006/main" xmlns:r="http://schemas.openxmlformats.org/officeDocument/2006/relationships" xmlns:p="http://schemas.openxmlformats.org/presentationml/2006/main">
+  <p:cSld>
+    <p:spTree>
+      <p:nvGrpSpPr>
+        <p:cNvPr id="1" name=""/>
+        <p:cNvGrpSpPr/>
+        <p:nvPr/>
+      </p:nvGrpSpPr>
+      <p:grpSpPr>
+        <a:xfrm>
+          <a:off x="0" y="0"/>
+          <a:ext cx="0" cy="0"/>
+          <a:chOff x="0" y="0"/>
+          <a:chExt cx="0" cy="0"/>
+        </a:xfrm>
+      </p:grpSpPr>
+      <p:sp>
+        <p:nvSpPr>
+          <p:cNvPr id="2" name="Title 1">
+            <a:extLst>
+              <a:ext uri="{FF2B5EF4-FFF2-40B4-BE49-F238E27FC236}">
+                <a16:creationId xmlns:a16="http://schemas.microsoft.com/office/drawing/2014/main" id="{D7968B70-5134-5948-BBEC-F5B8D31E5CC3}"/>
+              </a:ext>
+            </a:extLst>
+          </p:cNvPr>
+          <p:cNvSpPr>
+            <a:spLocks noGrp="1"/>
+          </p:cNvSpPr>
+          <p:nvPr>
+            <p:ph type="title"/>
+          </p:nvPr>
+        </p:nvSpPr>
+        <p:spPr/>
+        <p:txBody>
+          <a:bodyPr/>
+          <a:lstStyle/>
+          <a:p>
+            <a:endParaRPr lang="en-US"/>
+          </a:p>
+        </p:txBody>
+      </p:sp>
+      <p:sp>
+        <p:nvSpPr>
+          <p:cNvPr id="3" name="Content Placeholder 2">
+            <a:extLst>
+              <a:ext uri="{FF2B5EF4-FFF2-40B4-BE49-F238E27FC236}">
+                <a16:creationId xmlns:a16="http://schemas.microsoft.com/office/drawing/2014/main" id="{D5790C85-42B5-374C-A129-B4BC48F347F4}"/>
+              </a:ext>
+            </a:extLst>
+          </p:cNvPr>
+          <p:cNvSpPr>
+            <a:spLocks noGrp="1"/>
+          </p:cNvSpPr>
+          <p:nvPr>
+            <p:ph idx="1"/>
+          </p:nvPr>
+        </p:nvSpPr>
+        <p:spPr/>
+        <p:txBody>
+          <a:bodyPr/>
+          <a:lstStyle/>
+          <a:p>
+            <a:endParaRPr lang="en-US" dirty="0"/>
+          </a:p>
+        </p:txBody>
+      </p:sp>
+      <p:sp>
+        <p:nvSpPr>
+          <p:cNvPr id="4" name="Slide Number Placeholder 3">
+            <a:extLst>
+              <a:ext uri="{FF2B5EF4-FFF2-40B4-BE49-F238E27FC236}">
+                <a16:creationId xmlns:a16="http://schemas.microsoft.com/office/drawing/2014/main" id="{F520B5DE-7FBD-9B46-9F5F-613F3B82D6B0}"/>
+              </a:ext>
+            </a:extLst>
+          </p:cNvPr>
+          <p:cNvSpPr>
+            <a:spLocks noGrp="1"/>
+          </p:cNvSpPr>
+          <p:nvPr>
+            <p:ph type="sldNum" sz="quarter" idx="12"/>
+          </p:nvPr>
+        </p:nvSpPr>
+        <p:spPr/>
+        <p:txBody>
+          <a:bodyPr/>
+          <a:lstStyle/>
+          <a:p>
+            <a:fld id="{934C0642-4071-7D48-AFF8-BD27182896CC}" type="slidenum">
+              <a:rPr lang="en-US" smtClean="0"/>
+              <a:t>10</a:t>
+            </a:fld>
+            <a:endParaRPr lang="en-US"/>
+          </a:p>
+        </p:txBody>
+      </p:sp>
+      <p:pic>
+        <p:nvPicPr>
+          <p:cNvPr id="5" name="Picture 4">
+            <a:extLst>
+              <a:ext uri="{FF2B5EF4-FFF2-40B4-BE49-F238E27FC236}">
+                <a16:creationId xmlns:a16="http://schemas.microsoft.com/office/drawing/2014/main" id="{8C5C598F-0731-5845-8C4A-8F08FB7CB549}"/>
+              </a:ext>
+            </a:extLst>
+          </p:cNvPr>
+          <p:cNvPicPr>
+            <a:picLocks noChangeAspect="1"/>
+          </p:cNvPicPr>
+          <p:nvPr/>
+        </p:nvPicPr>
+        <p:blipFill>
+          <a:blip r:embed="rId2"/>
+          <a:stretch>
+            <a:fillRect/>
+          </a:stretch>
+        </p:blipFill>
+        <p:spPr>
+          <a:xfrm>
+            <a:off x="452315" y="1738312"/>
+            <a:ext cx="5308600" cy="3429000"/>
+          </a:xfrm>
+          <a:prstGeom prst="rect">
+            <a:avLst/>
+          </a:prstGeom>
+        </p:spPr>
+      </p:pic>
+      <p:pic>
+        <p:nvPicPr>
+          <p:cNvPr id="6" name="Picture 5">
+            <a:extLst>
+              <a:ext uri="{FF2B5EF4-FFF2-40B4-BE49-F238E27FC236}">
+                <a16:creationId xmlns:a16="http://schemas.microsoft.com/office/drawing/2014/main" id="{3FF2D7E6-6076-A347-BC1D-FED6F0B9B2D6}"/>
+              </a:ext>
+            </a:extLst>
+          </p:cNvPr>
+          <p:cNvPicPr>
+            <a:picLocks noChangeAspect="1"/>
+          </p:cNvPicPr>
+          <p:nvPr/>
+        </p:nvPicPr>
+        <p:blipFill>
+          <a:blip r:embed="rId3"/>
+          <a:stretch>
+            <a:fillRect/>
+          </a:stretch>
+        </p:blipFill>
+        <p:spPr>
+          <a:xfrm>
+            <a:off x="7083670" y="1738312"/>
+            <a:ext cx="4953000" cy="3429000"/>
+          </a:xfrm>
+          <a:prstGeom prst="rect">
+            <a:avLst/>
+          </a:prstGeom>
+        </p:spPr>
+      </p:pic>
+    </p:spTree>
+    <p:extLst>
+      <p:ext uri="{BB962C8B-B14F-4D97-AF65-F5344CB8AC3E}">
+        <p14:creationId xmlns:p14="http://schemas.microsoft.com/office/powerpoint/2010/main" val="3263270847"/>
+      </p:ext>
+    </p:extLst>
+  </p:cSld>
+  <p:clrMapOvr>
+    <a:masterClrMapping/>
+  </p:clrMapOvr>
+</p:sld>
+</file>
+
+<file path=ppt/slides/slide11.xml><?xml version="1.0" encoding="utf-8"?>
+<p:sld xmlns:a="http://schemas.openxmlformats.org/drawingml/2006/main" xmlns:r="http://schemas.openxmlformats.org/officeDocument/2006/relationships" xmlns:p="http://schemas.openxmlformats.org/presentationml/2006/main">
+  <p:cSld>
+    <p:spTree>
+      <p:nvGrpSpPr>
+        <p:cNvPr id="1" name=""/>
+        <p:cNvGrpSpPr/>
+        <p:nvPr/>
+      </p:nvGrpSpPr>
+      <p:grpSpPr>
+        <a:xfrm>
+          <a:off x="0" y="0"/>
+          <a:ext cx="0" cy="0"/>
+          <a:chOff x="0" y="0"/>
+          <a:chExt cx="0" cy="0"/>
+        </a:xfrm>
+      </p:grpSpPr>
+      <p:sp>
+        <p:nvSpPr>
+          <p:cNvPr id="2" name="Title 1">
+            <a:extLst>
+              <a:ext uri="{FF2B5EF4-FFF2-40B4-BE49-F238E27FC236}">
+                <a16:creationId xmlns:a16="http://schemas.microsoft.com/office/drawing/2014/main" id="{D392B911-0334-8942-8C1E-BC1F475EADF2}"/>
+              </a:ext>
+            </a:extLst>
+          </p:cNvPr>
+          <p:cNvSpPr>
+            <a:spLocks noGrp="1"/>
+          </p:cNvSpPr>
+          <p:nvPr>
+            <p:ph type="title"/>
+          </p:nvPr>
+        </p:nvSpPr>
+        <p:spPr/>
+        <p:txBody>
+          <a:bodyPr/>
+          <a:lstStyle/>
+          <a:p>
+            <a:r>
+              <a:rPr lang="en-US" dirty="0"/>
+              <a:t>Scatter plots</a:t>
+            </a:r>
+          </a:p>
+        </p:txBody>
+      </p:sp>
+      <p:sp>
+        <p:nvSpPr>
+          <p:cNvPr id="3" name="Content Placeholder 2">
+            <a:extLst>
+              <a:ext uri="{FF2B5EF4-FFF2-40B4-BE49-F238E27FC236}">
+                <a16:creationId xmlns:a16="http://schemas.microsoft.com/office/drawing/2014/main" id="{01E26116-945B-574F-9E35-C827B622AF5D}"/>
+              </a:ext>
+            </a:extLst>
+          </p:cNvPr>
+          <p:cNvSpPr>
+            <a:spLocks noGrp="1"/>
+          </p:cNvSpPr>
+          <p:nvPr>
+            <p:ph idx="1"/>
+          </p:nvPr>
+        </p:nvSpPr>
+        <p:spPr/>
+        <p:txBody>
+          <a:bodyPr/>
+          <a:lstStyle/>
+          <a:p>
+            <a:r>
+              <a:rPr lang="en-US" dirty="0"/>
+              <a:t>Color</a:t>
+            </a:r>
+          </a:p>
+          <a:p>
+            <a:r>
+              <a:rPr lang="en-US" dirty="0"/>
+              <a:t>Shape</a:t>
+            </a:r>
+          </a:p>
+          <a:p>
+            <a:r>
+              <a:rPr lang="en-US" dirty="0"/>
+              <a:t>Size</a:t>
+            </a:r>
+          </a:p>
+          <a:p>
+            <a:r>
+              <a:rPr lang="en-US" dirty="0"/>
+              <a:t>Labels</a:t>
+            </a:r>
+          </a:p>
+        </p:txBody>
+      </p:sp>
+      <p:sp>
+        <p:nvSpPr>
+          <p:cNvPr id="4" name="Slide Number Placeholder 3">
+            <a:extLst>
+              <a:ext uri="{FF2B5EF4-FFF2-40B4-BE49-F238E27FC236}">
+                <a16:creationId xmlns:a16="http://schemas.microsoft.com/office/drawing/2014/main" id="{7275BCB6-96D1-1D4B-9742-EC7CE8919437}"/>
+              </a:ext>
+            </a:extLst>
+          </p:cNvPr>
+          <p:cNvSpPr>
+            <a:spLocks noGrp="1"/>
+          </p:cNvSpPr>
+          <p:nvPr>
+            <p:ph type="sldNum" sz="quarter" idx="12"/>
+          </p:nvPr>
+        </p:nvSpPr>
+        <p:spPr/>
+        <p:txBody>
+          <a:bodyPr/>
+          <a:lstStyle/>
+          <a:p>
+            <a:fld id="{934C0642-4071-7D48-AFF8-BD27182896CC}" type="slidenum">
+              <a:rPr lang="en-US" smtClean="0"/>
+              <a:t>11</a:t>
+            </a:fld>
+            <a:endParaRPr lang="en-US"/>
+          </a:p>
+        </p:txBody>
+      </p:sp>
+    </p:spTree>
+    <p:extLst>
+      <p:ext uri="{BB962C8B-B14F-4D97-AF65-F5344CB8AC3E}">
+        <p14:creationId xmlns:p14="http://schemas.microsoft.com/office/powerpoint/2010/main" val="4227115149"/>
+      </p:ext>
+    </p:extLst>
+  </p:cSld>
+  <p:clrMapOvr>
+    <a:masterClrMapping/>
+  </p:clrMapOvr>
+</p:sld>
+</file>
+
+<file path=ppt/slides/slide12.xml><?xml version="1.0" encoding="utf-8"?>
+<p:sld xmlns:a="http://schemas.openxmlformats.org/drawingml/2006/main" xmlns:r="http://schemas.openxmlformats.org/officeDocument/2006/relationships" xmlns:p="http://schemas.openxmlformats.org/presentationml/2006/main">
+  <p:cSld>
+    <p:spTree>
+      <p:nvGrpSpPr>
+        <p:cNvPr id="1" name=""/>
+        <p:cNvGrpSpPr/>
+        <p:nvPr/>
+      </p:nvGrpSpPr>
+      <p:grpSpPr>
+        <a:xfrm>
+          <a:off x="0" y="0"/>
+          <a:ext cx="0" cy="0"/>
+          <a:chOff x="0" y="0"/>
+          <a:chExt cx="0" cy="0"/>
+        </a:xfrm>
+      </p:grpSpPr>
+      <p:sp>
+        <p:nvSpPr>
+          <p:cNvPr id="2" name="Title 1">
+            <a:extLst>
+              <a:ext uri="{FF2B5EF4-FFF2-40B4-BE49-F238E27FC236}">
+                <a16:creationId xmlns:a16="http://schemas.microsoft.com/office/drawing/2014/main" id="{DD90153F-EB9B-2142-8716-BF188CAB1E1E}"/>
+              </a:ext>
+            </a:extLst>
+          </p:cNvPr>
+          <p:cNvSpPr>
+            <a:spLocks noGrp="1"/>
+          </p:cNvSpPr>
+          <p:nvPr>
+            <p:ph type="title"/>
+          </p:nvPr>
+        </p:nvSpPr>
+        <p:spPr/>
+        <p:txBody>
+          <a:bodyPr/>
+          <a:lstStyle/>
+          <a:p>
+            <a:r>
+              <a:rPr lang="en-US" dirty="0"/>
+              <a:t>Line plots</a:t>
+            </a:r>
+          </a:p>
+        </p:txBody>
+      </p:sp>
+      <p:sp>
+        <p:nvSpPr>
+          <p:cNvPr id="3" name="Content Placeholder 2">
+            <a:extLst>
+              <a:ext uri="{FF2B5EF4-FFF2-40B4-BE49-F238E27FC236}">
+                <a16:creationId xmlns:a16="http://schemas.microsoft.com/office/drawing/2014/main" id="{DA95FDE4-DC0E-BF41-8FF1-36DC208421E8}"/>
+              </a:ext>
+            </a:extLst>
+          </p:cNvPr>
+          <p:cNvSpPr>
+            <a:spLocks noGrp="1"/>
+          </p:cNvSpPr>
+          <p:nvPr>
+            <p:ph idx="1"/>
+          </p:nvPr>
+        </p:nvSpPr>
+        <p:spPr/>
+        <p:txBody>
+          <a:bodyPr/>
+          <a:lstStyle/>
+          <a:p>
+            <a:endParaRPr lang="en-US"/>
+          </a:p>
+        </p:txBody>
+      </p:sp>
+      <p:sp>
+        <p:nvSpPr>
+          <p:cNvPr id="4" name="Slide Number Placeholder 3">
+            <a:extLst>
+              <a:ext uri="{FF2B5EF4-FFF2-40B4-BE49-F238E27FC236}">
+                <a16:creationId xmlns:a16="http://schemas.microsoft.com/office/drawing/2014/main" id="{9B19566F-A446-EB43-9E53-E44FA8C00AA4}"/>
+              </a:ext>
+            </a:extLst>
+          </p:cNvPr>
+          <p:cNvSpPr>
+            <a:spLocks noGrp="1"/>
+          </p:cNvSpPr>
+          <p:nvPr>
+            <p:ph type="sldNum" sz="quarter" idx="12"/>
+          </p:nvPr>
+        </p:nvSpPr>
+        <p:spPr/>
+        <p:txBody>
+          <a:bodyPr/>
+          <a:lstStyle/>
+          <a:p>
+            <a:fld id="{934C0642-4071-7D48-AFF8-BD27182896CC}" type="slidenum">
+              <a:rPr lang="en-US" smtClean="0"/>
+              <a:t>12</a:t>
+            </a:fld>
+            <a:endParaRPr lang="en-US"/>
+          </a:p>
+        </p:txBody>
+      </p:sp>
+    </p:spTree>
+    <p:extLst>
+      <p:ext uri="{BB962C8B-B14F-4D97-AF65-F5344CB8AC3E}">
+        <p14:creationId xmlns:p14="http://schemas.microsoft.com/office/powerpoint/2010/main" val="1784984162"/>
+      </p:ext>
+    </p:extLst>
+  </p:cSld>
+  <p:clrMapOvr>
+    <a:masterClrMapping/>
+  </p:clrMapOvr>
+</p:sld>
+</file>
+
+<file path=ppt/slides/slide13.xml><?xml version="1.0" encoding="utf-8"?>
+<p:sld xmlns:a="http://schemas.openxmlformats.org/drawingml/2006/main" xmlns:r="http://schemas.openxmlformats.org/officeDocument/2006/relationships" xmlns:p="http://schemas.openxmlformats.org/presentationml/2006/main">
+  <p:cSld>
+    <p:spTree>
+      <p:nvGrpSpPr>
+        <p:cNvPr id="1" name=""/>
+        <p:cNvGrpSpPr/>
+        <p:nvPr/>
+      </p:nvGrpSpPr>
+      <p:grpSpPr>
+        <a:xfrm>
+          <a:off x="0" y="0"/>
+          <a:ext cx="0" cy="0"/>
+          <a:chOff x="0" y="0"/>
+          <a:chExt cx="0" cy="0"/>
+        </a:xfrm>
+      </p:grpSpPr>
+      <p:sp>
+        <p:nvSpPr>
+          <p:cNvPr id="2" name="Title 1">
+            <a:extLst>
+              <a:ext uri="{FF2B5EF4-FFF2-40B4-BE49-F238E27FC236}">
+                <a16:creationId xmlns:a16="http://schemas.microsoft.com/office/drawing/2014/main" id="{1596A1BF-0167-0D41-8068-81032F1BC785}"/>
+              </a:ext>
+            </a:extLst>
+          </p:cNvPr>
+          <p:cNvSpPr>
+            <a:spLocks noGrp="1"/>
+          </p:cNvSpPr>
+          <p:nvPr>
+            <p:ph type="title"/>
+          </p:nvPr>
+        </p:nvSpPr>
+        <p:spPr/>
+        <p:txBody>
+          <a:bodyPr/>
+          <a:lstStyle/>
+          <a:p>
+            <a:r>
+              <a:rPr lang="en-US" dirty="0"/>
+              <a:t>Bar charts</a:t>
+            </a:r>
+          </a:p>
+        </p:txBody>
+      </p:sp>
+      <p:sp>
+        <p:nvSpPr>
+          <p:cNvPr id="3" name="Content Placeholder 2">
+            <a:extLst>
+              <a:ext uri="{FF2B5EF4-FFF2-40B4-BE49-F238E27FC236}">
+                <a16:creationId xmlns:a16="http://schemas.microsoft.com/office/drawing/2014/main" id="{1A35897D-7CD7-5040-AFF5-A3E0A7EEB345}"/>
+              </a:ext>
+            </a:extLst>
+          </p:cNvPr>
+          <p:cNvSpPr>
+            <a:spLocks noGrp="1"/>
+          </p:cNvSpPr>
+          <p:nvPr>
+            <p:ph idx="1"/>
+          </p:nvPr>
+        </p:nvSpPr>
+        <p:spPr/>
+        <p:txBody>
+          <a:bodyPr/>
+          <a:lstStyle/>
+          <a:p>
+            <a:endParaRPr lang="en-US"/>
+          </a:p>
+        </p:txBody>
+      </p:sp>
+      <p:sp>
+        <p:nvSpPr>
+          <p:cNvPr id="4" name="Slide Number Placeholder 3">
+            <a:extLst>
+              <a:ext uri="{FF2B5EF4-FFF2-40B4-BE49-F238E27FC236}">
+                <a16:creationId xmlns:a16="http://schemas.microsoft.com/office/drawing/2014/main" id="{3E0322D7-8371-B245-94D2-69F7639267B3}"/>
+              </a:ext>
+            </a:extLst>
+          </p:cNvPr>
+          <p:cNvSpPr>
+            <a:spLocks noGrp="1"/>
+          </p:cNvSpPr>
+          <p:nvPr>
+            <p:ph type="sldNum" sz="quarter" idx="12"/>
+          </p:nvPr>
+        </p:nvSpPr>
+        <p:spPr/>
+        <p:txBody>
+          <a:bodyPr/>
+          <a:lstStyle/>
+          <a:p>
+            <a:fld id="{934C0642-4071-7D48-AFF8-BD27182896CC}" type="slidenum">
+              <a:rPr lang="en-US" smtClean="0"/>
+              <a:t>13</a:t>
+            </a:fld>
+            <a:endParaRPr lang="en-US"/>
+          </a:p>
+        </p:txBody>
+      </p:sp>
+    </p:spTree>
+    <p:extLst>
+      <p:ext uri="{BB962C8B-B14F-4D97-AF65-F5344CB8AC3E}">
+        <p14:creationId xmlns:p14="http://schemas.microsoft.com/office/powerpoint/2010/main" val="2698112248"/>
+      </p:ext>
+    </p:extLst>
+  </p:cSld>
+  <p:clrMapOvr>
+    <a:masterClrMapping/>
+  </p:clrMapOvr>
+</p:sld>
+</file>
+
+<file path=ppt/slides/slide14.xml><?xml version="1.0" encoding="utf-8"?>
+<p:sld xmlns:a="http://schemas.openxmlformats.org/drawingml/2006/main" xmlns:r="http://schemas.openxmlformats.org/officeDocument/2006/relationships" xmlns:p="http://schemas.openxmlformats.org/presentationml/2006/main">
+  <p:cSld>
+    <p:spTree>
+      <p:nvGrpSpPr>
+        <p:cNvPr id="1" name=""/>
+        <p:cNvGrpSpPr/>
+        <p:nvPr/>
+      </p:nvGrpSpPr>
+      <p:grpSpPr>
+        <a:xfrm>
+          <a:off x="0" y="0"/>
+          <a:ext cx="0" cy="0"/>
+          <a:chOff x="0" y="0"/>
+          <a:chExt cx="0" cy="0"/>
+        </a:xfrm>
+      </p:grpSpPr>
+      <p:sp>
+        <p:nvSpPr>
+          <p:cNvPr id="2" name="Title 1">
+            <a:extLst>
+              <a:ext uri="{FF2B5EF4-FFF2-40B4-BE49-F238E27FC236}">
+                <a16:creationId xmlns:a16="http://schemas.microsoft.com/office/drawing/2014/main" id="{B2B51B03-91DC-084F-8CA0-8F90E57385E4}"/>
+              </a:ext>
+            </a:extLst>
+          </p:cNvPr>
+          <p:cNvSpPr>
+            <a:spLocks noGrp="1"/>
+          </p:cNvSpPr>
+          <p:nvPr>
+            <p:ph type="title"/>
+          </p:nvPr>
+        </p:nvSpPr>
+        <p:spPr/>
+        <p:txBody>
+          <a:bodyPr/>
+          <a:lstStyle/>
+          <a:p>
+            <a:r>
+              <a:rPr lang="en-US"/>
+              <a:t>Pie charts</a:t>
+            </a:r>
+          </a:p>
+        </p:txBody>
+      </p:sp>
+      <p:sp>
+        <p:nvSpPr>
+          <p:cNvPr id="3" name="Content Placeholder 2">
+            <a:extLst>
+              <a:ext uri="{FF2B5EF4-FFF2-40B4-BE49-F238E27FC236}">
+                <a16:creationId xmlns:a16="http://schemas.microsoft.com/office/drawing/2014/main" id="{BDE2F205-43D3-404F-B2CD-EADEE7A3EF50}"/>
+              </a:ext>
+            </a:extLst>
+          </p:cNvPr>
+          <p:cNvSpPr>
+            <a:spLocks noGrp="1"/>
+          </p:cNvSpPr>
+          <p:nvPr>
+            <p:ph idx="1"/>
+          </p:nvPr>
+        </p:nvSpPr>
+        <p:spPr/>
+        <p:txBody>
+          <a:bodyPr/>
+          <a:lstStyle/>
+          <a:p>
+            <a:endParaRPr lang="en-US"/>
+          </a:p>
+        </p:txBody>
+      </p:sp>
+      <p:sp>
+        <p:nvSpPr>
+          <p:cNvPr id="4" name="Slide Number Placeholder 3">
+            <a:extLst>
+              <a:ext uri="{FF2B5EF4-FFF2-40B4-BE49-F238E27FC236}">
+                <a16:creationId xmlns:a16="http://schemas.microsoft.com/office/drawing/2014/main" id="{2DADBB25-4FE6-F743-9C40-D05B58204355}"/>
+              </a:ext>
+            </a:extLst>
+          </p:cNvPr>
+          <p:cNvSpPr>
+            <a:spLocks noGrp="1"/>
+          </p:cNvSpPr>
+          <p:nvPr>
+            <p:ph type="sldNum" sz="quarter" idx="12"/>
+          </p:nvPr>
+        </p:nvSpPr>
+        <p:spPr/>
+        <p:txBody>
+          <a:bodyPr/>
+          <a:lstStyle/>
+          <a:p>
+            <a:fld id="{934C0642-4071-7D48-AFF8-BD27182896CC}" type="slidenum">
+              <a:rPr lang="en-US" smtClean="0"/>
+              <a:t>14</a:t>
+            </a:fld>
+            <a:endParaRPr lang="en-US"/>
+          </a:p>
+        </p:txBody>
+      </p:sp>
+    </p:spTree>
+    <p:extLst>
+      <p:ext uri="{BB962C8B-B14F-4D97-AF65-F5344CB8AC3E}">
+        <p14:creationId xmlns:p14="http://schemas.microsoft.com/office/powerpoint/2010/main" val="2913560006"/>
+      </p:ext>
+    </p:extLst>
+  </p:cSld>
+  <p:clrMapOvr>
+    <a:masterClrMapping/>
+  </p:clrMapOvr>
+</p:sld>
+</file>
+
+<file path=ppt/slides/slide15.xml><?xml version="1.0" encoding="utf-8"?>
+<p:sld xmlns:a="http://schemas.openxmlformats.org/drawingml/2006/main" xmlns:r="http://schemas.openxmlformats.org/officeDocument/2006/relationships" xmlns:p="http://schemas.openxmlformats.org/presentationml/2006/main">
+  <p:cSld>
+    <p:spTree>
+      <p:nvGrpSpPr>
+        <p:cNvPr id="1" name=""/>
+        <p:cNvGrpSpPr/>
+        <p:nvPr/>
+      </p:nvGrpSpPr>
+      <p:grpSpPr>
+        <a:xfrm>
+          <a:off x="0" y="0"/>
+          <a:ext cx="0" cy="0"/>
+          <a:chOff x="0" y="0"/>
+          <a:chExt cx="0" cy="0"/>
+        </a:xfrm>
+      </p:grpSpPr>
+      <p:sp>
+        <p:nvSpPr>
+          <p:cNvPr id="2" name="Title 1">
+            <a:extLst>
+              <a:ext uri="{FF2B5EF4-FFF2-40B4-BE49-F238E27FC236}">
+                <a16:creationId xmlns:a16="http://schemas.microsoft.com/office/drawing/2014/main" id="{6513D411-6B06-6440-8A17-015BAAAD4D2B}"/>
+              </a:ext>
+            </a:extLst>
+          </p:cNvPr>
+          <p:cNvSpPr>
+            <a:spLocks noGrp="1"/>
+          </p:cNvSpPr>
+          <p:nvPr>
+            <p:ph type="title"/>
+          </p:nvPr>
+        </p:nvSpPr>
+        <p:spPr/>
+        <p:txBody>
+          <a:bodyPr/>
+          <a:lstStyle/>
+          <a:p>
+            <a:r>
+              <a:rPr lang="en-US" dirty="0"/>
+              <a:t>Legend placement</a:t>
+            </a:r>
+          </a:p>
+        </p:txBody>
+      </p:sp>
+      <p:sp>
+        <p:nvSpPr>
+          <p:cNvPr id="3" name="Content Placeholder 2">
+            <a:extLst>
+              <a:ext uri="{FF2B5EF4-FFF2-40B4-BE49-F238E27FC236}">
+                <a16:creationId xmlns:a16="http://schemas.microsoft.com/office/drawing/2014/main" id="{EED56D6F-6F16-374A-98EC-56BA5713316A}"/>
+              </a:ext>
+            </a:extLst>
+          </p:cNvPr>
+          <p:cNvSpPr>
+            <a:spLocks noGrp="1"/>
+          </p:cNvSpPr>
+          <p:nvPr>
+            <p:ph idx="1"/>
+          </p:nvPr>
+        </p:nvSpPr>
+        <p:spPr/>
+        <p:txBody>
+          <a:bodyPr/>
+          <a:lstStyle/>
+          <a:p>
+            <a:endParaRPr lang="en-US"/>
+          </a:p>
+        </p:txBody>
+      </p:sp>
+      <p:sp>
+        <p:nvSpPr>
+          <p:cNvPr id="4" name="Slide Number Placeholder 3">
+            <a:extLst>
+              <a:ext uri="{FF2B5EF4-FFF2-40B4-BE49-F238E27FC236}">
+                <a16:creationId xmlns:a16="http://schemas.microsoft.com/office/drawing/2014/main" id="{6D5E284A-E686-AF4A-AE54-CAC703600123}"/>
+              </a:ext>
+            </a:extLst>
+          </p:cNvPr>
+          <p:cNvSpPr>
+            <a:spLocks noGrp="1"/>
+          </p:cNvSpPr>
+          <p:nvPr>
+            <p:ph type="sldNum" sz="quarter" idx="12"/>
+          </p:nvPr>
+        </p:nvSpPr>
+        <p:spPr/>
+        <p:txBody>
+          <a:bodyPr/>
+          <a:lstStyle/>
+          <a:p>
+            <a:fld id="{934C0642-4071-7D48-AFF8-BD27182896CC}" type="slidenum">
+              <a:rPr lang="en-US" smtClean="0"/>
+              <a:t>15</a:t>
+            </a:fld>
+            <a:endParaRPr lang="en-US"/>
+          </a:p>
+        </p:txBody>
+      </p:sp>
+    </p:spTree>
+    <p:extLst>
+      <p:ext uri="{BB962C8B-B14F-4D97-AF65-F5344CB8AC3E}">
+        <p14:creationId xmlns:p14="http://schemas.microsoft.com/office/powerpoint/2010/main" val="1777280438"/>
+      </p:ext>
+    </p:extLst>
+  </p:cSld>
+  <p:clrMapOvr>
+    <a:masterClrMapping/>
+  </p:clrMapOvr>
+</p:sld>
+</file>
+
+<file path=ppt/slides/slide16.xml><?xml version="1.0" encoding="utf-8"?>
+<p:sld xmlns:a="http://schemas.openxmlformats.org/drawingml/2006/main" xmlns:r="http://schemas.openxmlformats.org/officeDocument/2006/relationships" xmlns:p="http://schemas.openxmlformats.org/presentationml/2006/main">
+  <p:cSld>
+    <p:spTree>
+      <p:nvGrpSpPr>
+        <p:cNvPr id="1" name=""/>
+        <p:cNvGrpSpPr/>
+        <p:nvPr/>
+      </p:nvGrpSpPr>
+      <p:grpSpPr>
+        <a:xfrm>
+          <a:off x="0" y="0"/>
+          <a:ext cx="0" cy="0"/>
+          <a:chOff x="0" y="0"/>
+          <a:chExt cx="0" cy="0"/>
+        </a:xfrm>
+      </p:grpSpPr>
+      <p:sp>
+        <p:nvSpPr>
+          <p:cNvPr id="2" name="Title 1">
+            <a:extLst>
+              <a:ext uri="{FF2B5EF4-FFF2-40B4-BE49-F238E27FC236}">
+                <a16:creationId xmlns:a16="http://schemas.microsoft.com/office/drawing/2014/main" id="{71C15911-2ABB-8742-826A-133818CBF6CF}"/>
+              </a:ext>
+            </a:extLst>
+          </p:cNvPr>
+          <p:cNvSpPr>
+            <a:spLocks noGrp="1"/>
+          </p:cNvSpPr>
+          <p:nvPr>
+            <p:ph type="title"/>
+          </p:nvPr>
+        </p:nvSpPr>
+        <p:spPr/>
+        <p:txBody>
+          <a:bodyPr/>
+          <a:lstStyle/>
+          <a:p>
+            <a:r>
+              <a:rPr lang="en-US" dirty="0"/>
+              <a:t>Font sizes</a:t>
+            </a:r>
+          </a:p>
+        </p:txBody>
+      </p:sp>
+      <p:sp>
+        <p:nvSpPr>
+          <p:cNvPr id="3" name="Content Placeholder 2">
+            <a:extLst>
+              <a:ext uri="{FF2B5EF4-FFF2-40B4-BE49-F238E27FC236}">
+                <a16:creationId xmlns:a16="http://schemas.microsoft.com/office/drawing/2014/main" id="{5A7E760A-6367-2E4D-909F-BA7CD40003F6}"/>
+              </a:ext>
+            </a:extLst>
+          </p:cNvPr>
+          <p:cNvSpPr>
+            <a:spLocks noGrp="1"/>
+          </p:cNvSpPr>
+          <p:nvPr>
+            <p:ph idx="1"/>
+          </p:nvPr>
+        </p:nvSpPr>
+        <p:spPr/>
+        <p:txBody>
+          <a:bodyPr/>
+          <a:lstStyle/>
+          <a:p>
+            <a:endParaRPr lang="en-US"/>
+          </a:p>
+        </p:txBody>
+      </p:sp>
+      <p:sp>
+        <p:nvSpPr>
+          <p:cNvPr id="4" name="Slide Number Placeholder 3">
+            <a:extLst>
+              <a:ext uri="{FF2B5EF4-FFF2-40B4-BE49-F238E27FC236}">
+                <a16:creationId xmlns:a16="http://schemas.microsoft.com/office/drawing/2014/main" id="{2E00D7DE-8AFD-614B-AF20-40D9DD57F793}"/>
+              </a:ext>
+            </a:extLst>
+          </p:cNvPr>
+          <p:cNvSpPr>
+            <a:spLocks noGrp="1"/>
+          </p:cNvSpPr>
+          <p:nvPr>
+            <p:ph type="sldNum" sz="quarter" idx="12"/>
+          </p:nvPr>
+        </p:nvSpPr>
+        <p:spPr/>
+        <p:txBody>
+          <a:bodyPr/>
+          <a:lstStyle/>
+          <a:p>
+            <a:fld id="{934C0642-4071-7D48-AFF8-BD27182896CC}" type="slidenum">
+              <a:rPr lang="en-US" smtClean="0"/>
+              <a:t>16</a:t>
+            </a:fld>
+            <a:endParaRPr lang="en-US"/>
+          </a:p>
+        </p:txBody>
+      </p:sp>
+    </p:spTree>
+    <p:extLst>
+      <p:ext uri="{BB962C8B-B14F-4D97-AF65-F5344CB8AC3E}">
+        <p14:creationId xmlns:p14="http://schemas.microsoft.com/office/powerpoint/2010/main" val="1992235662"/>
+      </p:ext>
+    </p:extLst>
+  </p:cSld>
+  <p:clrMapOvr>
+    <a:masterClrMapping/>
+  </p:clrMapOvr>
+</p:sld>
+</file>
+
+<file path=ppt/slides/slide17.xml><?xml version="1.0" encoding="utf-8"?>
+<p:sld xmlns:a="http://schemas.openxmlformats.org/drawingml/2006/main" xmlns:r="http://schemas.openxmlformats.org/officeDocument/2006/relationships" xmlns:p="http://schemas.openxmlformats.org/presentationml/2006/main">
+  <p:cSld>
+    <p:spTree>
+      <p:nvGrpSpPr>
+        <p:cNvPr id="1" name=""/>
+        <p:cNvGrpSpPr/>
+        <p:nvPr/>
+      </p:nvGrpSpPr>
+      <p:grpSpPr>
+        <a:xfrm>
+          <a:off x="0" y="0"/>
+          <a:ext cx="0" cy="0"/>
+          <a:chOff x="0" y="0"/>
+          <a:chExt cx="0" cy="0"/>
+        </a:xfrm>
+      </p:grpSpPr>
+      <p:sp>
+        <p:nvSpPr>
+          <p:cNvPr id="2" name="Title 1">
+            <a:extLst>
+              <a:ext uri="{FF2B5EF4-FFF2-40B4-BE49-F238E27FC236}">
+                <a16:creationId xmlns:a16="http://schemas.microsoft.com/office/drawing/2014/main" id="{5A08591E-DA9E-864D-B7BE-34B32E2DB1E5}"/>
+              </a:ext>
+            </a:extLst>
+          </p:cNvPr>
+          <p:cNvSpPr>
+            <a:spLocks noGrp="1"/>
+          </p:cNvSpPr>
+          <p:nvPr>
+            <p:ph type="title"/>
+          </p:nvPr>
+        </p:nvSpPr>
+        <p:spPr/>
+        <p:txBody>
+          <a:bodyPr/>
+          <a:lstStyle/>
+          <a:p>
+            <a:r>
+              <a:rPr lang="en-US" dirty="0"/>
+              <a:t>Background</a:t>
+            </a:r>
+          </a:p>
+        </p:txBody>
+      </p:sp>
+      <p:sp>
+        <p:nvSpPr>
+          <p:cNvPr id="3" name="Content Placeholder 2">
+            <a:extLst>
+              <a:ext uri="{FF2B5EF4-FFF2-40B4-BE49-F238E27FC236}">
+                <a16:creationId xmlns:a16="http://schemas.microsoft.com/office/drawing/2014/main" id="{E134C04A-2A51-8E45-981E-AE141E5EFED7}"/>
+              </a:ext>
+            </a:extLst>
+          </p:cNvPr>
+          <p:cNvSpPr>
+            <a:spLocks noGrp="1"/>
+          </p:cNvSpPr>
+          <p:nvPr>
+            <p:ph idx="1"/>
+          </p:nvPr>
+        </p:nvSpPr>
+        <p:spPr/>
+        <p:txBody>
+          <a:bodyPr/>
+          <a:lstStyle/>
+          <a:p>
+            <a:endParaRPr lang="en-US"/>
+          </a:p>
+        </p:txBody>
+      </p:sp>
+      <p:sp>
+        <p:nvSpPr>
+          <p:cNvPr id="4" name="Slide Number Placeholder 3">
+            <a:extLst>
+              <a:ext uri="{FF2B5EF4-FFF2-40B4-BE49-F238E27FC236}">
+                <a16:creationId xmlns:a16="http://schemas.microsoft.com/office/drawing/2014/main" id="{C54A3742-D43A-3840-AD71-642E00FFB2F5}"/>
+              </a:ext>
+            </a:extLst>
+          </p:cNvPr>
+          <p:cNvSpPr>
+            <a:spLocks noGrp="1"/>
+          </p:cNvSpPr>
+          <p:nvPr>
+            <p:ph type="sldNum" sz="quarter" idx="12"/>
+          </p:nvPr>
+        </p:nvSpPr>
+        <p:spPr/>
+        <p:txBody>
+          <a:bodyPr/>
+          <a:lstStyle/>
+          <a:p>
+            <a:fld id="{934C0642-4071-7D48-AFF8-BD27182896CC}" type="slidenum">
+              <a:rPr lang="en-US" smtClean="0"/>
+              <a:t>17</a:t>
+            </a:fld>
+            <a:endParaRPr lang="en-US"/>
+          </a:p>
+        </p:txBody>
+      </p:sp>
+    </p:spTree>
+    <p:extLst>
+      <p:ext uri="{BB962C8B-B14F-4D97-AF65-F5344CB8AC3E}">
+        <p14:creationId xmlns:p14="http://schemas.microsoft.com/office/powerpoint/2010/main" val="1468340606"/>
+      </p:ext>
+    </p:extLst>
+  </p:cSld>
+  <p:clrMapOvr>
+    <a:masterClrMapping/>
+  </p:clrMapOvr>
+</p:sld>
+</file>
+
 <file path=ppt/slides/slide2.xml><?xml version="1.0" encoding="utf-8"?>
 <p:sld xmlns:a="http://schemas.openxmlformats.org/drawingml/2006/main" xmlns:r="http://schemas.openxmlformats.org/officeDocument/2006/relationships" xmlns:p="http://schemas.openxmlformats.org/presentationml/2006/main">
   <p:cSld>
@@ -3946,6 +4935,828 @@
     <p:extLst>
       <p:ext uri="{BB962C8B-B14F-4D97-AF65-F5344CB8AC3E}">
         <p14:creationId xmlns:p14="http://schemas.microsoft.com/office/powerpoint/2010/main" val="1284368160"/>
+      </p:ext>
+    </p:extLst>
+  </p:cSld>
+  <p:clrMapOvr>
+    <a:masterClrMapping/>
+  </p:clrMapOvr>
+</p:sld>
+</file>
+
+<file path=ppt/slides/slide3.xml><?xml version="1.0" encoding="utf-8"?>
+<p:sld xmlns:a="http://schemas.openxmlformats.org/drawingml/2006/main" xmlns:r="http://schemas.openxmlformats.org/officeDocument/2006/relationships" xmlns:p="http://schemas.openxmlformats.org/presentationml/2006/main">
+  <p:cSld>
+    <p:spTree>
+      <p:nvGrpSpPr>
+        <p:cNvPr id="1" name=""/>
+        <p:cNvGrpSpPr/>
+        <p:nvPr/>
+      </p:nvGrpSpPr>
+      <p:grpSpPr>
+        <a:xfrm>
+          <a:off x="0" y="0"/>
+          <a:ext cx="0" cy="0"/>
+          <a:chOff x="0" y="0"/>
+          <a:chExt cx="0" cy="0"/>
+        </a:xfrm>
+      </p:grpSpPr>
+      <p:sp>
+        <p:nvSpPr>
+          <p:cNvPr id="2" name="Title 1">
+            <a:extLst>
+              <a:ext uri="{FF2B5EF4-FFF2-40B4-BE49-F238E27FC236}">
+                <a16:creationId xmlns:a16="http://schemas.microsoft.com/office/drawing/2014/main" id="{678E6DCB-C08C-1244-9F20-CC0555B370AA}"/>
+              </a:ext>
+            </a:extLst>
+          </p:cNvPr>
+          <p:cNvSpPr>
+            <a:spLocks noGrp="1"/>
+          </p:cNvSpPr>
+          <p:nvPr>
+            <p:ph type="title"/>
+          </p:nvPr>
+        </p:nvSpPr>
+        <p:spPr/>
+        <p:txBody>
+          <a:bodyPr/>
+          <a:lstStyle/>
+          <a:p>
+            <a:r>
+              <a:rPr lang="en-US" dirty="0"/>
+              <a:t>Principles of visualization</a:t>
+            </a:r>
+          </a:p>
+        </p:txBody>
+      </p:sp>
+      <p:sp>
+        <p:nvSpPr>
+          <p:cNvPr id="3" name="Content Placeholder 2">
+            <a:extLst>
+              <a:ext uri="{FF2B5EF4-FFF2-40B4-BE49-F238E27FC236}">
+                <a16:creationId xmlns:a16="http://schemas.microsoft.com/office/drawing/2014/main" id="{8B79CBB6-D71A-A74C-B6A9-F63B99F32790}"/>
+              </a:ext>
+            </a:extLst>
+          </p:cNvPr>
+          <p:cNvSpPr>
+            <a:spLocks noGrp="1"/>
+          </p:cNvSpPr>
+          <p:nvPr>
+            <p:ph idx="1"/>
+          </p:nvPr>
+        </p:nvSpPr>
+        <p:spPr/>
+        <p:txBody>
+          <a:bodyPr/>
+          <a:lstStyle/>
+          <a:p>
+            <a:r>
+              <a:rPr lang="en-US" dirty="0"/>
+              <a:t>Scale</a:t>
+            </a:r>
+          </a:p>
+          <a:p>
+            <a:r>
+              <a:rPr lang="en-US" dirty="0"/>
+              <a:t>Conditioning</a:t>
+            </a:r>
+          </a:p>
+          <a:p>
+            <a:r>
+              <a:rPr lang="en-US" dirty="0"/>
+              <a:t>Perception</a:t>
+            </a:r>
+          </a:p>
+          <a:p>
+            <a:r>
+              <a:rPr lang="en-US" dirty="0"/>
+              <a:t>Transformation</a:t>
+            </a:r>
+          </a:p>
+          <a:p>
+            <a:r>
+              <a:rPr lang="en-US" dirty="0"/>
+              <a:t>Context</a:t>
+            </a:r>
+          </a:p>
+          <a:p>
+            <a:r>
+              <a:rPr lang="en-US" dirty="0"/>
+              <a:t>Smoothing</a:t>
+            </a:r>
+          </a:p>
+        </p:txBody>
+      </p:sp>
+      <p:sp>
+        <p:nvSpPr>
+          <p:cNvPr id="4" name="Slide Number Placeholder 3">
+            <a:extLst>
+              <a:ext uri="{FF2B5EF4-FFF2-40B4-BE49-F238E27FC236}">
+                <a16:creationId xmlns:a16="http://schemas.microsoft.com/office/drawing/2014/main" id="{372A5705-1599-3E44-AAD5-E1D19DFA625C}"/>
+              </a:ext>
+            </a:extLst>
+          </p:cNvPr>
+          <p:cNvSpPr>
+            <a:spLocks noGrp="1"/>
+          </p:cNvSpPr>
+          <p:nvPr>
+            <p:ph type="sldNum" sz="quarter" idx="12"/>
+          </p:nvPr>
+        </p:nvSpPr>
+        <p:spPr/>
+        <p:txBody>
+          <a:bodyPr/>
+          <a:lstStyle/>
+          <a:p>
+            <a:fld id="{934C0642-4071-7D48-AFF8-BD27182896CC}" type="slidenum">
+              <a:rPr lang="en-US" smtClean="0"/>
+              <a:t>3</a:t>
+            </a:fld>
+            <a:endParaRPr lang="en-US"/>
+          </a:p>
+        </p:txBody>
+      </p:sp>
+    </p:spTree>
+    <p:extLst>
+      <p:ext uri="{BB962C8B-B14F-4D97-AF65-F5344CB8AC3E}">
+        <p14:creationId xmlns:p14="http://schemas.microsoft.com/office/powerpoint/2010/main" val="3980954619"/>
+      </p:ext>
+    </p:extLst>
+  </p:cSld>
+  <p:clrMapOvr>
+    <a:masterClrMapping/>
+  </p:clrMapOvr>
+</p:sld>
+</file>
+
+<file path=ppt/slides/slide4.xml><?xml version="1.0" encoding="utf-8"?>
+<p:sld xmlns:a="http://schemas.openxmlformats.org/drawingml/2006/main" xmlns:r="http://schemas.openxmlformats.org/officeDocument/2006/relationships" xmlns:p="http://schemas.openxmlformats.org/presentationml/2006/main">
+  <p:cSld>
+    <p:spTree>
+      <p:nvGrpSpPr>
+        <p:cNvPr id="1" name=""/>
+        <p:cNvGrpSpPr/>
+        <p:nvPr/>
+      </p:nvGrpSpPr>
+      <p:grpSpPr>
+        <a:xfrm>
+          <a:off x="0" y="0"/>
+          <a:ext cx="0" cy="0"/>
+          <a:chOff x="0" y="0"/>
+          <a:chExt cx="0" cy="0"/>
+        </a:xfrm>
+      </p:grpSpPr>
+      <p:sp>
+        <p:nvSpPr>
+          <p:cNvPr id="2" name="Title 1">
+            <a:extLst>
+              <a:ext uri="{FF2B5EF4-FFF2-40B4-BE49-F238E27FC236}">
+                <a16:creationId xmlns:a16="http://schemas.microsoft.com/office/drawing/2014/main" id="{9548CFCA-62F5-4040-948A-603789EDEBFF}"/>
+              </a:ext>
+            </a:extLst>
+          </p:cNvPr>
+          <p:cNvSpPr>
+            <a:spLocks noGrp="1"/>
+          </p:cNvSpPr>
+          <p:nvPr>
+            <p:ph type="title"/>
+          </p:nvPr>
+        </p:nvSpPr>
+        <p:spPr/>
+        <p:txBody>
+          <a:bodyPr/>
+          <a:lstStyle/>
+          <a:p>
+            <a:r>
+              <a:rPr lang="en-US" dirty="0"/>
+              <a:t>Quantitative data</a:t>
+            </a:r>
+          </a:p>
+        </p:txBody>
+      </p:sp>
+      <p:sp>
+        <p:nvSpPr>
+          <p:cNvPr id="3" name="Content Placeholder 2">
+            <a:extLst>
+              <a:ext uri="{FF2B5EF4-FFF2-40B4-BE49-F238E27FC236}">
+                <a16:creationId xmlns:a16="http://schemas.microsoft.com/office/drawing/2014/main" id="{740AD2FA-C946-9D42-A4FA-40ED5984BFDE}"/>
+              </a:ext>
+            </a:extLst>
+          </p:cNvPr>
+          <p:cNvSpPr>
+            <a:spLocks noGrp="1"/>
+          </p:cNvSpPr>
+          <p:nvPr>
+            <p:ph idx="1"/>
+          </p:nvPr>
+        </p:nvSpPr>
+        <p:spPr/>
+        <p:txBody>
+          <a:bodyPr/>
+          <a:lstStyle/>
+          <a:p>
+            <a:endParaRPr lang="en-US"/>
+          </a:p>
+        </p:txBody>
+      </p:sp>
+      <p:sp>
+        <p:nvSpPr>
+          <p:cNvPr id="4" name="Slide Number Placeholder 3">
+            <a:extLst>
+              <a:ext uri="{FF2B5EF4-FFF2-40B4-BE49-F238E27FC236}">
+                <a16:creationId xmlns:a16="http://schemas.microsoft.com/office/drawing/2014/main" id="{67B2A3A2-632F-EE47-8AF4-EFC2DAB3200F}"/>
+              </a:ext>
+            </a:extLst>
+          </p:cNvPr>
+          <p:cNvSpPr>
+            <a:spLocks noGrp="1"/>
+          </p:cNvSpPr>
+          <p:nvPr>
+            <p:ph type="sldNum" sz="quarter" idx="12"/>
+          </p:nvPr>
+        </p:nvSpPr>
+        <p:spPr/>
+        <p:txBody>
+          <a:bodyPr/>
+          <a:lstStyle/>
+          <a:p>
+            <a:fld id="{934C0642-4071-7D48-AFF8-BD27182896CC}" type="slidenum">
+              <a:rPr lang="en-US" smtClean="0"/>
+              <a:t>4</a:t>
+            </a:fld>
+            <a:endParaRPr lang="en-US"/>
+          </a:p>
+        </p:txBody>
+      </p:sp>
+    </p:spTree>
+    <p:extLst>
+      <p:ext uri="{BB962C8B-B14F-4D97-AF65-F5344CB8AC3E}">
+        <p14:creationId xmlns:p14="http://schemas.microsoft.com/office/powerpoint/2010/main" val="766712855"/>
+      </p:ext>
+    </p:extLst>
+  </p:cSld>
+  <p:clrMapOvr>
+    <a:masterClrMapping/>
+  </p:clrMapOvr>
+</p:sld>
+</file>
+
+<file path=ppt/slides/slide5.xml><?xml version="1.0" encoding="utf-8"?>
+<p:sld xmlns:a="http://schemas.openxmlformats.org/drawingml/2006/main" xmlns:r="http://schemas.openxmlformats.org/officeDocument/2006/relationships" xmlns:p="http://schemas.openxmlformats.org/presentationml/2006/main">
+  <p:cSld>
+    <p:spTree>
+      <p:nvGrpSpPr>
+        <p:cNvPr id="1" name=""/>
+        <p:cNvGrpSpPr/>
+        <p:nvPr/>
+      </p:nvGrpSpPr>
+      <p:grpSpPr>
+        <a:xfrm>
+          <a:off x="0" y="0"/>
+          <a:ext cx="0" cy="0"/>
+          <a:chOff x="0" y="0"/>
+          <a:chExt cx="0" cy="0"/>
+        </a:xfrm>
+      </p:grpSpPr>
+      <p:sp>
+        <p:nvSpPr>
+          <p:cNvPr id="2" name="Title 1">
+            <a:extLst>
+              <a:ext uri="{FF2B5EF4-FFF2-40B4-BE49-F238E27FC236}">
+                <a16:creationId xmlns:a16="http://schemas.microsoft.com/office/drawing/2014/main" id="{343169B9-9A34-3E45-824A-D7EFABB65EF0}"/>
+              </a:ext>
+            </a:extLst>
+          </p:cNvPr>
+          <p:cNvSpPr>
+            <a:spLocks noGrp="1"/>
+          </p:cNvSpPr>
+          <p:nvPr>
+            <p:ph type="title"/>
+          </p:nvPr>
+        </p:nvSpPr>
+        <p:spPr>
+          <a:xfrm>
+            <a:off x="838200" y="2675731"/>
+            <a:ext cx="10515600" cy="1325563"/>
+          </a:xfrm>
+        </p:spPr>
+        <p:txBody>
+          <a:bodyPr/>
+          <a:lstStyle/>
+          <a:p>
+            <a:r>
+              <a:rPr lang="en-US" dirty="0"/>
+              <a:t>Plotting distributions</a:t>
+            </a:r>
+          </a:p>
+        </p:txBody>
+      </p:sp>
+      <p:sp>
+        <p:nvSpPr>
+          <p:cNvPr id="3" name="Content Placeholder 2">
+            <a:extLst>
+              <a:ext uri="{FF2B5EF4-FFF2-40B4-BE49-F238E27FC236}">
+                <a16:creationId xmlns:a16="http://schemas.microsoft.com/office/drawing/2014/main" id="{3CFE0738-4E02-EB40-902C-966B0F894E73}"/>
+              </a:ext>
+            </a:extLst>
+          </p:cNvPr>
+          <p:cNvSpPr>
+            <a:spLocks noGrp="1"/>
+          </p:cNvSpPr>
+          <p:nvPr>
+            <p:ph idx="1"/>
+          </p:nvPr>
+        </p:nvSpPr>
+        <p:spPr/>
+        <p:txBody>
+          <a:bodyPr/>
+          <a:lstStyle/>
+          <a:p>
+            <a:endParaRPr lang="en-US"/>
+          </a:p>
+        </p:txBody>
+      </p:sp>
+      <p:sp>
+        <p:nvSpPr>
+          <p:cNvPr id="4" name="Slide Number Placeholder 3">
+            <a:extLst>
+              <a:ext uri="{FF2B5EF4-FFF2-40B4-BE49-F238E27FC236}">
+                <a16:creationId xmlns:a16="http://schemas.microsoft.com/office/drawing/2014/main" id="{AE3D5555-C21B-5642-87CE-68AA2D37169A}"/>
+              </a:ext>
+            </a:extLst>
+          </p:cNvPr>
+          <p:cNvSpPr>
+            <a:spLocks noGrp="1"/>
+          </p:cNvSpPr>
+          <p:nvPr>
+            <p:ph type="sldNum" sz="quarter" idx="12"/>
+          </p:nvPr>
+        </p:nvSpPr>
+        <p:spPr/>
+        <p:txBody>
+          <a:bodyPr/>
+          <a:lstStyle/>
+          <a:p>
+            <a:fld id="{934C0642-4071-7D48-AFF8-BD27182896CC}" type="slidenum">
+              <a:rPr lang="en-US" smtClean="0"/>
+              <a:t>5</a:t>
+            </a:fld>
+            <a:endParaRPr lang="en-US"/>
+          </a:p>
+        </p:txBody>
+      </p:sp>
+    </p:spTree>
+    <p:extLst>
+      <p:ext uri="{BB962C8B-B14F-4D97-AF65-F5344CB8AC3E}">
+        <p14:creationId xmlns:p14="http://schemas.microsoft.com/office/powerpoint/2010/main" val="3202060668"/>
+      </p:ext>
+    </p:extLst>
+  </p:cSld>
+  <p:clrMapOvr>
+    <a:masterClrMapping/>
+  </p:clrMapOvr>
+</p:sld>
+</file>
+
+<file path=ppt/slides/slide6.xml><?xml version="1.0" encoding="utf-8"?>
+<p:sld xmlns:a="http://schemas.openxmlformats.org/drawingml/2006/main" xmlns:r="http://schemas.openxmlformats.org/officeDocument/2006/relationships" xmlns:p="http://schemas.openxmlformats.org/presentationml/2006/main">
+  <p:cSld>
+    <p:spTree>
+      <p:nvGrpSpPr>
+        <p:cNvPr id="1" name=""/>
+        <p:cNvGrpSpPr/>
+        <p:nvPr/>
+      </p:nvGrpSpPr>
+      <p:grpSpPr>
+        <a:xfrm>
+          <a:off x="0" y="0"/>
+          <a:ext cx="0" cy="0"/>
+          <a:chOff x="0" y="0"/>
+          <a:chExt cx="0" cy="0"/>
+        </a:xfrm>
+      </p:grpSpPr>
+      <p:sp>
+        <p:nvSpPr>
+          <p:cNvPr id="2" name="Title 1">
+            <a:extLst>
+              <a:ext uri="{FF2B5EF4-FFF2-40B4-BE49-F238E27FC236}">
+                <a16:creationId xmlns:a16="http://schemas.microsoft.com/office/drawing/2014/main" id="{036DF31F-4600-5B4A-942D-D2EA5159CB40}"/>
+              </a:ext>
+            </a:extLst>
+          </p:cNvPr>
+          <p:cNvSpPr>
+            <a:spLocks noGrp="1"/>
+          </p:cNvSpPr>
+          <p:nvPr>
+            <p:ph type="title"/>
+          </p:nvPr>
+        </p:nvSpPr>
+        <p:spPr/>
+        <p:txBody>
+          <a:bodyPr/>
+          <a:lstStyle/>
+          <a:p>
+            <a:r>
+              <a:rPr lang="en-US" dirty="0"/>
+              <a:t>Histograms</a:t>
+            </a:r>
+          </a:p>
+        </p:txBody>
+      </p:sp>
+      <p:sp>
+        <p:nvSpPr>
+          <p:cNvPr id="3" name="Content Placeholder 2">
+            <a:extLst>
+              <a:ext uri="{FF2B5EF4-FFF2-40B4-BE49-F238E27FC236}">
+                <a16:creationId xmlns:a16="http://schemas.microsoft.com/office/drawing/2014/main" id="{6F150B12-08CE-B64A-B5F6-BC96FF3F9F8E}"/>
+              </a:ext>
+            </a:extLst>
+          </p:cNvPr>
+          <p:cNvSpPr>
+            <a:spLocks noGrp="1"/>
+          </p:cNvSpPr>
+          <p:nvPr>
+            <p:ph idx="1"/>
+          </p:nvPr>
+        </p:nvSpPr>
+        <p:spPr/>
+        <p:txBody>
+          <a:bodyPr/>
+          <a:lstStyle/>
+          <a:p>
+            <a:endParaRPr lang="en-US"/>
+          </a:p>
+        </p:txBody>
+      </p:sp>
+      <p:sp>
+        <p:nvSpPr>
+          <p:cNvPr id="4" name="Slide Number Placeholder 3">
+            <a:extLst>
+              <a:ext uri="{FF2B5EF4-FFF2-40B4-BE49-F238E27FC236}">
+                <a16:creationId xmlns:a16="http://schemas.microsoft.com/office/drawing/2014/main" id="{B560B9F2-898F-0041-8E49-3D0B76BE9536}"/>
+              </a:ext>
+            </a:extLst>
+          </p:cNvPr>
+          <p:cNvSpPr>
+            <a:spLocks noGrp="1"/>
+          </p:cNvSpPr>
+          <p:nvPr>
+            <p:ph type="sldNum" sz="quarter" idx="12"/>
+          </p:nvPr>
+        </p:nvSpPr>
+        <p:spPr/>
+        <p:txBody>
+          <a:bodyPr/>
+          <a:lstStyle/>
+          <a:p>
+            <a:fld id="{934C0642-4071-7D48-AFF8-BD27182896CC}" type="slidenum">
+              <a:rPr lang="en-US" smtClean="0"/>
+              <a:t>6</a:t>
+            </a:fld>
+            <a:endParaRPr lang="en-US"/>
+          </a:p>
+        </p:txBody>
+      </p:sp>
+    </p:spTree>
+    <p:extLst>
+      <p:ext uri="{BB962C8B-B14F-4D97-AF65-F5344CB8AC3E}">
+        <p14:creationId xmlns:p14="http://schemas.microsoft.com/office/powerpoint/2010/main" val="1962865957"/>
+      </p:ext>
+    </p:extLst>
+  </p:cSld>
+  <p:clrMapOvr>
+    <a:masterClrMapping/>
+  </p:clrMapOvr>
+</p:sld>
+</file>
+
+<file path=ppt/slides/slide7.xml><?xml version="1.0" encoding="utf-8"?>
+<p:sld xmlns:a="http://schemas.openxmlformats.org/drawingml/2006/main" xmlns:r="http://schemas.openxmlformats.org/officeDocument/2006/relationships" xmlns:p="http://schemas.openxmlformats.org/presentationml/2006/main">
+  <p:cSld>
+    <p:spTree>
+      <p:nvGrpSpPr>
+        <p:cNvPr id="1" name=""/>
+        <p:cNvGrpSpPr/>
+        <p:nvPr/>
+      </p:nvGrpSpPr>
+      <p:grpSpPr>
+        <a:xfrm>
+          <a:off x="0" y="0"/>
+          <a:ext cx="0" cy="0"/>
+          <a:chOff x="0" y="0"/>
+          <a:chExt cx="0" cy="0"/>
+        </a:xfrm>
+      </p:grpSpPr>
+      <p:sp>
+        <p:nvSpPr>
+          <p:cNvPr id="2" name="Title 1">
+            <a:extLst>
+              <a:ext uri="{FF2B5EF4-FFF2-40B4-BE49-F238E27FC236}">
+                <a16:creationId xmlns:a16="http://schemas.microsoft.com/office/drawing/2014/main" id="{EFA109F5-8634-894E-A2F2-C39F2D9328B0}"/>
+              </a:ext>
+            </a:extLst>
+          </p:cNvPr>
+          <p:cNvSpPr>
+            <a:spLocks noGrp="1"/>
+          </p:cNvSpPr>
+          <p:nvPr>
+            <p:ph type="title"/>
+          </p:nvPr>
+        </p:nvSpPr>
+        <p:spPr/>
+        <p:txBody>
+          <a:bodyPr/>
+          <a:lstStyle/>
+          <a:p>
+            <a:r>
+              <a:rPr lang="en-US" dirty="0"/>
+              <a:t>Aside: probability distributions</a:t>
+            </a:r>
+          </a:p>
+        </p:txBody>
+      </p:sp>
+      <p:sp>
+        <p:nvSpPr>
+          <p:cNvPr id="3" name="Content Placeholder 2">
+            <a:extLst>
+              <a:ext uri="{FF2B5EF4-FFF2-40B4-BE49-F238E27FC236}">
+                <a16:creationId xmlns:a16="http://schemas.microsoft.com/office/drawing/2014/main" id="{2575F5ED-C527-9542-80A6-50B7C13649B4}"/>
+              </a:ext>
+            </a:extLst>
+          </p:cNvPr>
+          <p:cNvSpPr>
+            <a:spLocks noGrp="1"/>
+          </p:cNvSpPr>
+          <p:nvPr>
+            <p:ph idx="1"/>
+          </p:nvPr>
+        </p:nvSpPr>
+        <p:spPr/>
+        <p:txBody>
+          <a:bodyPr/>
+          <a:lstStyle/>
+          <a:p>
+            <a:endParaRPr lang="en-US"/>
+          </a:p>
+        </p:txBody>
+      </p:sp>
+      <p:sp>
+        <p:nvSpPr>
+          <p:cNvPr id="4" name="Slide Number Placeholder 3">
+            <a:extLst>
+              <a:ext uri="{FF2B5EF4-FFF2-40B4-BE49-F238E27FC236}">
+                <a16:creationId xmlns:a16="http://schemas.microsoft.com/office/drawing/2014/main" id="{F56AE090-F974-EC46-9A20-AB8FC79226EC}"/>
+              </a:ext>
+            </a:extLst>
+          </p:cNvPr>
+          <p:cNvSpPr>
+            <a:spLocks noGrp="1"/>
+          </p:cNvSpPr>
+          <p:nvPr>
+            <p:ph type="sldNum" sz="quarter" idx="12"/>
+          </p:nvPr>
+        </p:nvSpPr>
+        <p:spPr/>
+        <p:txBody>
+          <a:bodyPr/>
+          <a:lstStyle/>
+          <a:p>
+            <a:fld id="{934C0642-4071-7D48-AFF8-BD27182896CC}" type="slidenum">
+              <a:rPr lang="en-US" smtClean="0"/>
+              <a:t>7</a:t>
+            </a:fld>
+            <a:endParaRPr lang="en-US"/>
+          </a:p>
+        </p:txBody>
+      </p:sp>
+    </p:spTree>
+    <p:extLst>
+      <p:ext uri="{BB962C8B-B14F-4D97-AF65-F5344CB8AC3E}">
+        <p14:creationId xmlns:p14="http://schemas.microsoft.com/office/powerpoint/2010/main" val="1567738908"/>
+      </p:ext>
+    </p:extLst>
+  </p:cSld>
+  <p:clrMapOvr>
+    <a:masterClrMapping/>
+  </p:clrMapOvr>
+</p:sld>
+</file>
+
+<file path=ppt/slides/slide8.xml><?xml version="1.0" encoding="utf-8"?>
+<p:sld xmlns:a="http://schemas.openxmlformats.org/drawingml/2006/main" xmlns:r="http://schemas.openxmlformats.org/officeDocument/2006/relationships" xmlns:p="http://schemas.openxmlformats.org/presentationml/2006/main">
+  <p:cSld>
+    <p:spTree>
+      <p:nvGrpSpPr>
+        <p:cNvPr id="1" name=""/>
+        <p:cNvGrpSpPr/>
+        <p:nvPr/>
+      </p:nvGrpSpPr>
+      <p:grpSpPr>
+        <a:xfrm>
+          <a:off x="0" y="0"/>
+          <a:ext cx="0" cy="0"/>
+          <a:chOff x="0" y="0"/>
+          <a:chExt cx="0" cy="0"/>
+        </a:xfrm>
+      </p:grpSpPr>
+      <p:sp>
+        <p:nvSpPr>
+          <p:cNvPr id="2" name="Title 1">
+            <a:extLst>
+              <a:ext uri="{FF2B5EF4-FFF2-40B4-BE49-F238E27FC236}">
+                <a16:creationId xmlns:a16="http://schemas.microsoft.com/office/drawing/2014/main" id="{A5C3FE2A-ABAF-6D4E-A9D1-08D05D8B0610}"/>
+              </a:ext>
+            </a:extLst>
+          </p:cNvPr>
+          <p:cNvSpPr>
+            <a:spLocks noGrp="1"/>
+          </p:cNvSpPr>
+          <p:nvPr>
+            <p:ph type="title"/>
+          </p:nvPr>
+        </p:nvSpPr>
+        <p:spPr/>
+        <p:txBody>
+          <a:bodyPr/>
+          <a:lstStyle/>
+          <a:p>
+            <a:r>
+              <a:rPr lang="en-US" dirty="0"/>
+              <a:t>Kernel density estimation</a:t>
+            </a:r>
+          </a:p>
+        </p:txBody>
+      </p:sp>
+      <p:sp>
+        <p:nvSpPr>
+          <p:cNvPr id="3" name="Content Placeholder 2">
+            <a:extLst>
+              <a:ext uri="{FF2B5EF4-FFF2-40B4-BE49-F238E27FC236}">
+                <a16:creationId xmlns:a16="http://schemas.microsoft.com/office/drawing/2014/main" id="{CDCBC9B4-185B-AA46-BF8E-CD5F9696306D}"/>
+              </a:ext>
+            </a:extLst>
+          </p:cNvPr>
+          <p:cNvSpPr>
+            <a:spLocks noGrp="1"/>
+          </p:cNvSpPr>
+          <p:nvPr>
+            <p:ph idx="1"/>
+          </p:nvPr>
+        </p:nvSpPr>
+        <p:spPr/>
+        <p:txBody>
+          <a:bodyPr/>
+          <a:lstStyle/>
+          <a:p>
+            <a:endParaRPr lang="en-US"/>
+          </a:p>
+        </p:txBody>
+      </p:sp>
+      <p:sp>
+        <p:nvSpPr>
+          <p:cNvPr id="4" name="Slide Number Placeholder 3">
+            <a:extLst>
+              <a:ext uri="{FF2B5EF4-FFF2-40B4-BE49-F238E27FC236}">
+                <a16:creationId xmlns:a16="http://schemas.microsoft.com/office/drawing/2014/main" id="{755C2254-9C70-134F-8CD5-2670336C1A1D}"/>
+              </a:ext>
+            </a:extLst>
+          </p:cNvPr>
+          <p:cNvSpPr>
+            <a:spLocks noGrp="1"/>
+          </p:cNvSpPr>
+          <p:nvPr>
+            <p:ph type="sldNum" sz="quarter" idx="12"/>
+          </p:nvPr>
+        </p:nvSpPr>
+        <p:spPr/>
+        <p:txBody>
+          <a:bodyPr/>
+          <a:lstStyle/>
+          <a:p>
+            <a:fld id="{934C0642-4071-7D48-AFF8-BD27182896CC}" type="slidenum">
+              <a:rPr lang="en-US" smtClean="0"/>
+              <a:t>8</a:t>
+            </a:fld>
+            <a:endParaRPr lang="en-US"/>
+          </a:p>
+        </p:txBody>
+      </p:sp>
+    </p:spTree>
+    <p:extLst>
+      <p:ext uri="{BB962C8B-B14F-4D97-AF65-F5344CB8AC3E}">
+        <p14:creationId xmlns:p14="http://schemas.microsoft.com/office/powerpoint/2010/main" val="3873695433"/>
+      </p:ext>
+    </p:extLst>
+  </p:cSld>
+  <p:clrMapOvr>
+    <a:masterClrMapping/>
+  </p:clrMapOvr>
+</p:sld>
+</file>
+
+<file path=ppt/slides/slide9.xml><?xml version="1.0" encoding="utf-8"?>
+<p:sld xmlns:a="http://schemas.openxmlformats.org/drawingml/2006/main" xmlns:r="http://schemas.openxmlformats.org/officeDocument/2006/relationships" xmlns:p="http://schemas.openxmlformats.org/presentationml/2006/main">
+  <p:cSld>
+    <p:spTree>
+      <p:nvGrpSpPr>
+        <p:cNvPr id="1" name=""/>
+        <p:cNvGrpSpPr/>
+        <p:nvPr/>
+      </p:nvGrpSpPr>
+      <p:grpSpPr>
+        <a:xfrm>
+          <a:off x="0" y="0"/>
+          <a:ext cx="0" cy="0"/>
+          <a:chOff x="0" y="0"/>
+          <a:chExt cx="0" cy="0"/>
+        </a:xfrm>
+      </p:grpSpPr>
+      <p:sp>
+        <p:nvSpPr>
+          <p:cNvPr id="2" name="Title 1">
+            <a:extLst>
+              <a:ext uri="{FF2B5EF4-FFF2-40B4-BE49-F238E27FC236}">
+                <a16:creationId xmlns:a16="http://schemas.microsoft.com/office/drawing/2014/main" id="{811C013C-73F7-0A43-9AA5-B7E4FD3A518C}"/>
+              </a:ext>
+            </a:extLst>
+          </p:cNvPr>
+          <p:cNvSpPr>
+            <a:spLocks noGrp="1"/>
+          </p:cNvSpPr>
+          <p:nvPr>
+            <p:ph type="title"/>
+          </p:nvPr>
+        </p:nvSpPr>
+        <p:spPr/>
+        <p:txBody>
+          <a:bodyPr/>
+          <a:lstStyle/>
+          <a:p>
+            <a:r>
+              <a:rPr lang="en-US" dirty="0"/>
+              <a:t>Box plots</a:t>
+            </a:r>
+          </a:p>
+        </p:txBody>
+      </p:sp>
+      <p:sp>
+        <p:nvSpPr>
+          <p:cNvPr id="3" name="Content Placeholder 2">
+            <a:extLst>
+              <a:ext uri="{FF2B5EF4-FFF2-40B4-BE49-F238E27FC236}">
+                <a16:creationId xmlns:a16="http://schemas.microsoft.com/office/drawing/2014/main" id="{0311E22A-6569-0D4C-98D1-E5C0A9574F6D}"/>
+              </a:ext>
+            </a:extLst>
+          </p:cNvPr>
+          <p:cNvSpPr>
+            <a:spLocks noGrp="1"/>
+          </p:cNvSpPr>
+          <p:nvPr>
+            <p:ph idx="1"/>
+          </p:nvPr>
+        </p:nvSpPr>
+        <p:spPr/>
+        <p:txBody>
+          <a:bodyPr/>
+          <a:lstStyle/>
+          <a:p>
+            <a:endParaRPr lang="en-US"/>
+          </a:p>
+        </p:txBody>
+      </p:sp>
+      <p:sp>
+        <p:nvSpPr>
+          <p:cNvPr id="4" name="Slide Number Placeholder 3">
+            <a:extLst>
+              <a:ext uri="{FF2B5EF4-FFF2-40B4-BE49-F238E27FC236}">
+                <a16:creationId xmlns:a16="http://schemas.microsoft.com/office/drawing/2014/main" id="{3CC4799E-9C82-5C45-A91C-9C4421E15AE1}"/>
+              </a:ext>
+            </a:extLst>
+          </p:cNvPr>
+          <p:cNvSpPr>
+            <a:spLocks noGrp="1"/>
+          </p:cNvSpPr>
+          <p:nvPr>
+            <p:ph type="sldNum" sz="quarter" idx="12"/>
+          </p:nvPr>
+        </p:nvSpPr>
+        <p:spPr/>
+        <p:txBody>
+          <a:bodyPr/>
+          <a:lstStyle/>
+          <a:p>
+            <a:fld id="{934C0642-4071-7D48-AFF8-BD27182896CC}" type="slidenum">
+              <a:rPr lang="en-US" smtClean="0"/>
+              <a:t>9</a:t>
+            </a:fld>
+            <a:endParaRPr lang="en-US"/>
+          </a:p>
+        </p:txBody>
+      </p:sp>
+    </p:spTree>
+    <p:extLst>
+      <p:ext uri="{BB962C8B-B14F-4D97-AF65-F5344CB8AC3E}">
+        <p14:creationId xmlns:p14="http://schemas.microsoft.com/office/powerpoint/2010/main" val="4024299388"/>
       </p:ext>
     </p:extLst>
   </p:cSld>
